--- a/content/3-cc310/08-queues/02-queues-in-code-slides.pptx
+++ b/content/3-cc310/08-queues/02-queues-in-code-slides.pptx
@@ -209,7 +209,7 @@
           <a:p>
             <a:fld id="{7965C686-E975-4851-995B-B3B455D4CBEA}" type="datetimeFigureOut">
               <a:rPr lang="en-US" smtClean="0"/>
-              <a:t>3/25/2020</a:t>
+              <a:t>3/27/2020</a:t>
             </a:fld>
             <a:endParaRPr lang="en-US"/>
           </a:p>
@@ -1910,7 +1910,7 @@
           <a:p>
             <a:fld id="{6B9CC98C-563E-4F7D-9927-73EC4AAC1618}" type="datetimeFigureOut">
               <a:rPr lang="en-US" smtClean="0"/>
-              <a:t>3/25/2020</a:t>
+              <a:t>3/27/2020</a:t>
             </a:fld>
             <a:endParaRPr lang="en-US"/>
           </a:p>
@@ -2108,7 +2108,7 @@
           <a:p>
             <a:fld id="{6B9CC98C-563E-4F7D-9927-73EC4AAC1618}" type="datetimeFigureOut">
               <a:rPr lang="en-US" smtClean="0"/>
-              <a:t>3/25/2020</a:t>
+              <a:t>3/27/2020</a:t>
             </a:fld>
             <a:endParaRPr lang="en-US"/>
           </a:p>
@@ -2316,7 +2316,7 @@
           <a:p>
             <a:fld id="{6B9CC98C-563E-4F7D-9927-73EC4AAC1618}" type="datetimeFigureOut">
               <a:rPr lang="en-US" smtClean="0"/>
-              <a:t>3/25/2020</a:t>
+              <a:t>3/27/2020</a:t>
             </a:fld>
             <a:endParaRPr lang="en-US"/>
           </a:p>
@@ -2514,7 +2514,7 @@
           <a:p>
             <a:fld id="{6B9CC98C-563E-4F7D-9927-73EC4AAC1618}" type="datetimeFigureOut">
               <a:rPr lang="en-US" smtClean="0"/>
-              <a:t>3/25/2020</a:t>
+              <a:t>3/27/2020</a:t>
             </a:fld>
             <a:endParaRPr lang="en-US"/>
           </a:p>
@@ -2789,7 +2789,7 @@
           <a:p>
             <a:fld id="{6B9CC98C-563E-4F7D-9927-73EC4AAC1618}" type="datetimeFigureOut">
               <a:rPr lang="en-US" smtClean="0"/>
-              <a:t>3/25/2020</a:t>
+              <a:t>3/27/2020</a:t>
             </a:fld>
             <a:endParaRPr lang="en-US"/>
           </a:p>
@@ -3054,7 +3054,7 @@
           <a:p>
             <a:fld id="{6B9CC98C-563E-4F7D-9927-73EC4AAC1618}" type="datetimeFigureOut">
               <a:rPr lang="en-US" smtClean="0"/>
-              <a:t>3/25/2020</a:t>
+              <a:t>3/27/2020</a:t>
             </a:fld>
             <a:endParaRPr lang="en-US"/>
           </a:p>
@@ -3466,7 +3466,7 @@
           <a:p>
             <a:fld id="{6B9CC98C-563E-4F7D-9927-73EC4AAC1618}" type="datetimeFigureOut">
               <a:rPr lang="en-US" smtClean="0"/>
-              <a:t>3/25/2020</a:t>
+              <a:t>3/27/2020</a:t>
             </a:fld>
             <a:endParaRPr lang="en-US"/>
           </a:p>
@@ -3607,7 +3607,7 @@
           <a:p>
             <a:fld id="{6B9CC98C-563E-4F7D-9927-73EC4AAC1618}" type="datetimeFigureOut">
               <a:rPr lang="en-US" smtClean="0"/>
-              <a:t>3/25/2020</a:t>
+              <a:t>3/27/2020</a:t>
             </a:fld>
             <a:endParaRPr lang="en-US"/>
           </a:p>
@@ -3720,7 +3720,7 @@
           <a:p>
             <a:fld id="{6B9CC98C-563E-4F7D-9927-73EC4AAC1618}" type="datetimeFigureOut">
               <a:rPr lang="en-US" smtClean="0"/>
-              <a:t>3/25/2020</a:t>
+              <a:t>3/27/2020</a:t>
             </a:fld>
             <a:endParaRPr lang="en-US"/>
           </a:p>
@@ -4031,7 +4031,7 @@
           <a:p>
             <a:fld id="{6B9CC98C-563E-4F7D-9927-73EC4AAC1618}" type="datetimeFigureOut">
               <a:rPr lang="en-US" smtClean="0"/>
-              <a:t>3/25/2020</a:t>
+              <a:t>3/27/2020</a:t>
             </a:fld>
             <a:endParaRPr lang="en-US"/>
           </a:p>
@@ -4323,7 +4323,7 @@
           <a:p>
             <a:fld id="{6B9CC98C-563E-4F7D-9927-73EC4AAC1618}" type="datetimeFigureOut">
               <a:rPr lang="en-US" smtClean="0"/>
-              <a:t>3/25/2020</a:t>
+              <a:t>3/27/2020</a:t>
             </a:fld>
             <a:endParaRPr lang="en-US"/>
           </a:p>
@@ -4402,9 +4402,7 @@
     <p:bg>
       <p:bgPr>
         <a:solidFill>
-          <a:schemeClr val="bg1">
-            <a:lumMod val="85000"/>
-          </a:schemeClr>
+          <a:srgbClr val="C0C0C0"/>
         </a:solidFill>
         <a:effectLst/>
       </p:bgPr>
@@ -4571,7 +4569,7 @@
           <a:p>
             <a:fld id="{6B9CC98C-563E-4F7D-9927-73EC4AAC1618}" type="datetimeFigureOut">
               <a:rPr lang="en-US" smtClean="0"/>
-              <a:t>3/25/2020</a:t>
+              <a:t>3/27/2020</a:t>
             </a:fld>
             <a:endParaRPr lang="en-US"/>
           </a:p>
@@ -4972,7 +4970,7 @@
 </file>
 
 <file path=ppt/slides/slide1.xml><?xml version="1.0" encoding="utf-8"?>
-<p:sld xmlns:a="http://schemas.openxmlformats.org/drawingml/2006/main" xmlns:r="http://schemas.openxmlformats.org/officeDocument/2006/relationships" xmlns:p="http://schemas.openxmlformats.org/presentationml/2006/main">
+<p:sld xmlns:a="http://schemas.openxmlformats.org/drawingml/2006/main" xmlns:r="http://schemas.openxmlformats.org/officeDocument/2006/relationships" xmlns:p="http://schemas.openxmlformats.org/presentationml/2006/main" show="0">
   <p:cSld>
     <p:spTree>
       <p:nvGrpSpPr>
@@ -15561,12 +15559,6 @@
 </file>
 
 <file path=customXml/item2.xml><?xml version="1.0" encoding="utf-8"?>
-<p:properties xmlns:p="http://schemas.microsoft.com/office/2006/metadata/properties" xmlns:xsi="http://www.w3.org/2001/XMLSchema-instance" xmlns:pc="http://schemas.microsoft.com/office/infopath/2007/PartnerControls">
-  <documentManagement/>
-</p:properties>
-</file>
-
-<file path=customXml/item3.xml><?xml version="1.0" encoding="utf-8"?>
 <ct:contentTypeSchema xmlns:ct="http://schemas.microsoft.com/office/2006/metadata/contentType" xmlns:ma="http://schemas.microsoft.com/office/2006/metadata/properties/metaAttributes" ct:_="" ma:_="" ma:contentTypeName="Document" ma:contentTypeID="0x01010083F0F5F090D6FE4C9D66FF879A7CC7B3" ma:contentTypeVersion="9" ma:contentTypeDescription="Create a new document." ma:contentTypeScope="" ma:versionID="606f2283565418712a5a3267706a5f5d">
   <xsd:schema xmlns:xsd="http://www.w3.org/2001/XMLSchema" xmlns:xs="http://www.w3.org/2001/XMLSchema" xmlns:p="http://schemas.microsoft.com/office/2006/metadata/properties" xmlns:ns2="58c44ba5-51a4-40bc-b9f0-9fe2032e2130" targetNamespace="http://schemas.microsoft.com/office/2006/metadata/properties" ma:root="true" ma:fieldsID="0d021ce73d87f7988edb471f4256858c" ns2:_="">
     <xsd:import namespace="58c44ba5-51a4-40bc-b9f0-9fe2032e2130"/>
@@ -15744,6 +15736,12 @@
 </ct:contentTypeSchema>
 </file>
 
+<file path=customXml/item3.xml><?xml version="1.0" encoding="utf-8"?>
+<p:properties xmlns:p="http://schemas.microsoft.com/office/2006/metadata/properties" xmlns:xsi="http://www.w3.org/2001/XMLSchema-instance" xmlns:pc="http://schemas.microsoft.com/office/infopath/2007/PartnerControls">
+  <documentManagement/>
+</p:properties>
+</file>
+
 <file path=customXml/itemProps1.xml><?xml version="1.0" encoding="utf-8"?>
 <ds:datastoreItem xmlns:ds="http://schemas.openxmlformats.org/officeDocument/2006/customXml" ds:itemID="{9D39D168-5068-4F3A-AB26-715CA47DC6EB}">
   <ds:schemaRefs>
@@ -15753,22 +15751,6 @@
 </file>
 
 <file path=customXml/itemProps2.xml><?xml version="1.0" encoding="utf-8"?>
-<ds:datastoreItem xmlns:ds="http://schemas.openxmlformats.org/officeDocument/2006/customXml" ds:itemID="{7D935D53-2294-4255-8623-0EA54F719802}">
-  <ds:schemaRefs>
-    <ds:schemaRef ds:uri="http://schemas.microsoft.com/office/infopath/2007/PartnerControls"/>
-    <ds:schemaRef ds:uri="http://purl.org/dc/dcmitype/"/>
-    <ds:schemaRef ds:uri="http://schemas.openxmlformats.org/package/2006/metadata/core-properties"/>
-    <ds:schemaRef ds:uri="http://purl.org/dc/terms/"/>
-    <ds:schemaRef ds:uri="http://www.w3.org/XML/1998/namespace"/>
-    <ds:schemaRef ds:uri="http://schemas.microsoft.com/office/2006/documentManagement/types"/>
-    <ds:schemaRef ds:uri="http://schemas.microsoft.com/office/2006/metadata/properties"/>
-    <ds:schemaRef ds:uri="http://purl.org/dc/elements/1.1/"/>
-    <ds:schemaRef ds:uri="58c44ba5-51a4-40bc-b9f0-9fe2032e2130"/>
-  </ds:schemaRefs>
-</ds:datastoreItem>
-</file>
-
-<file path=customXml/itemProps3.xml><?xml version="1.0" encoding="utf-8"?>
 <ds:datastoreItem xmlns:ds="http://schemas.openxmlformats.org/officeDocument/2006/customXml" ds:itemID="{09EA64C7-81B6-4807-89B0-C5F19C90BD7C}">
   <ds:schemaRefs>
     <ds:schemaRef ds:uri="http://schemas.microsoft.com/office/2006/metadata/contentType"/>
@@ -15784,4 +15766,20 @@
     <ds:schemaRef ds:uri="http://schemas.microsoft.com/internal/obd"/>
   </ds:schemaRefs>
 </ds:datastoreItem>
+</file>
+
+<file path=customXml/itemProps3.xml><?xml version="1.0" encoding="utf-8"?>
+<ds:datastoreItem xmlns:ds="http://schemas.openxmlformats.org/officeDocument/2006/customXml" ds:itemID="{7D935D53-2294-4255-8623-0EA54F719802}">
+  <ds:schemaRefs>
+    <ds:schemaRef ds:uri="http://schemas.microsoft.com/office/infopath/2007/PartnerControls"/>
+    <ds:schemaRef ds:uri="http://purl.org/dc/dcmitype/"/>
+    <ds:schemaRef ds:uri="http://schemas.openxmlformats.org/package/2006/metadata/core-properties"/>
+    <ds:schemaRef ds:uri="http://purl.org/dc/terms/"/>
+    <ds:schemaRef ds:uri="http://www.w3.org/XML/1998/namespace"/>
+    <ds:schemaRef ds:uri="http://schemas.microsoft.com/office/2006/documentManagement/types"/>
+    <ds:schemaRef ds:uri="http://schemas.microsoft.com/office/2006/metadata/properties"/>
+    <ds:schemaRef ds:uri="http://purl.org/dc/elements/1.1/"/>
+    <ds:schemaRef ds:uri="58c44ba5-51a4-40bc-b9f0-9fe2032e2130"/>
+  </ds:schemaRefs>
+</ds:datastoreItem>
 </file>